--- a/papers/Case2016/pictures/pdf/LFig.pptx
+++ b/papers/Case2016/pictures/pdf/LFig.pptx
@@ -288,7 +288,7 @@
           <a:p>
             <a:fld id="{C35CC384-D971-B84F-8685-D11358698119}" type="datetimeFigureOut">
               <a:rPr lang="en-US" smtClean="0"/>
-              <a:t>3/19/16</a:t>
+              <a:t>3/22/16</a:t>
             </a:fld>
             <a:endParaRPr lang="en-US"/>
           </a:p>
@@ -458,7 +458,7 @@
           <a:p>
             <a:fld id="{C35CC384-D971-B84F-8685-D11358698119}" type="datetimeFigureOut">
               <a:rPr lang="en-US" smtClean="0"/>
-              <a:t>3/19/16</a:t>
+              <a:t>3/22/16</a:t>
             </a:fld>
             <a:endParaRPr lang="en-US"/>
           </a:p>
@@ -638,7 +638,7 @@
           <a:p>
             <a:fld id="{C35CC384-D971-B84F-8685-D11358698119}" type="datetimeFigureOut">
               <a:rPr lang="en-US" smtClean="0"/>
-              <a:t>3/19/16</a:t>
+              <a:t>3/22/16</a:t>
             </a:fld>
             <a:endParaRPr lang="en-US"/>
           </a:p>
@@ -808,7 +808,7 @@
           <a:p>
             <a:fld id="{C35CC384-D971-B84F-8685-D11358698119}" type="datetimeFigureOut">
               <a:rPr lang="en-US" smtClean="0"/>
-              <a:t>3/19/16</a:t>
+              <a:t>3/22/16</a:t>
             </a:fld>
             <a:endParaRPr lang="en-US"/>
           </a:p>
@@ -1054,7 +1054,7 @@
           <a:p>
             <a:fld id="{C35CC384-D971-B84F-8685-D11358698119}" type="datetimeFigureOut">
               <a:rPr lang="en-US" smtClean="0"/>
-              <a:t>3/19/16</a:t>
+              <a:t>3/22/16</a:t>
             </a:fld>
             <a:endParaRPr lang="en-US"/>
           </a:p>
@@ -1342,7 +1342,7 @@
           <a:p>
             <a:fld id="{C35CC384-D971-B84F-8685-D11358698119}" type="datetimeFigureOut">
               <a:rPr lang="en-US" smtClean="0"/>
-              <a:t>3/19/16</a:t>
+              <a:t>3/22/16</a:t>
             </a:fld>
             <a:endParaRPr lang="en-US"/>
           </a:p>
@@ -1764,7 +1764,7 @@
           <a:p>
             <a:fld id="{C35CC384-D971-B84F-8685-D11358698119}" type="datetimeFigureOut">
               <a:rPr lang="en-US" smtClean="0"/>
-              <a:t>3/19/16</a:t>
+              <a:t>3/22/16</a:t>
             </a:fld>
             <a:endParaRPr lang="en-US"/>
           </a:p>
@@ -1882,7 +1882,7 @@
           <a:p>
             <a:fld id="{C35CC384-D971-B84F-8685-D11358698119}" type="datetimeFigureOut">
               <a:rPr lang="en-US" smtClean="0"/>
-              <a:t>3/19/16</a:t>
+              <a:t>3/22/16</a:t>
             </a:fld>
             <a:endParaRPr lang="en-US"/>
           </a:p>
@@ -1977,7 +1977,7 @@
           <a:p>
             <a:fld id="{C35CC384-D971-B84F-8685-D11358698119}" type="datetimeFigureOut">
               <a:rPr lang="en-US" smtClean="0"/>
-              <a:t>3/19/16</a:t>
+              <a:t>3/22/16</a:t>
             </a:fld>
             <a:endParaRPr lang="en-US"/>
           </a:p>
@@ -2254,7 +2254,7 @@
           <a:p>
             <a:fld id="{C35CC384-D971-B84F-8685-D11358698119}" type="datetimeFigureOut">
               <a:rPr lang="en-US" smtClean="0"/>
-              <a:t>3/19/16</a:t>
+              <a:t>3/22/16</a:t>
             </a:fld>
             <a:endParaRPr lang="en-US"/>
           </a:p>
@@ -2507,7 +2507,7 @@
           <a:p>
             <a:fld id="{C35CC384-D971-B84F-8685-D11358698119}" type="datetimeFigureOut">
               <a:rPr lang="en-US" smtClean="0"/>
-              <a:t>3/19/16</a:t>
+              <a:t>3/22/16</a:t>
             </a:fld>
             <a:endParaRPr lang="en-US"/>
           </a:p>
@@ -2720,7 +2720,7 @@
           <a:p>
             <a:fld id="{C35CC384-D971-B84F-8685-D11358698119}" type="datetimeFigureOut">
               <a:rPr lang="en-US" smtClean="0"/>
-              <a:t>3/19/16</a:t>
+              <a:t>3/22/16</a:t>
             </a:fld>
             <a:endParaRPr lang="en-US"/>
           </a:p>
@@ -3118,10 +3118,10 @@
             <p:nvPr/>
           </p:nvPicPr>
           <p:blipFill>
-            <a:blip r:embed="rId2">
+            <a:blip r:embed="rId2" cstate="screen">
               <a:extLst>
                 <a:ext uri="{28A0092B-C50C-407E-A947-70E740481C1C}">
-                  <a14:useLocalDpi xmlns:a14="http://schemas.microsoft.com/office/drawing/2010/main" val="0"/>
+                  <a14:useLocalDpi xmlns:a14="http://schemas.microsoft.com/office/drawing/2010/main"/>
                 </a:ext>
               </a:extLst>
             </a:blip>
@@ -3148,10 +3148,10 @@
             <p:nvPr/>
           </p:nvPicPr>
           <p:blipFill>
-            <a:blip r:embed="rId3">
+            <a:blip r:embed="rId3" cstate="screen">
               <a:extLst>
                 <a:ext uri="{28A0092B-C50C-407E-A947-70E740481C1C}">
-                  <a14:useLocalDpi xmlns:a14="http://schemas.microsoft.com/office/drawing/2010/main" val="0"/>
+                  <a14:useLocalDpi xmlns:a14="http://schemas.microsoft.com/office/drawing/2010/main"/>
                 </a:ext>
               </a:extLst>
             </a:blip>
@@ -3178,10 +3178,10 @@
             <p:nvPr/>
           </p:nvPicPr>
           <p:blipFill>
-            <a:blip r:embed="rId4">
+            <a:blip r:embed="rId4" cstate="screen">
               <a:extLst>
                 <a:ext uri="{28A0092B-C50C-407E-A947-70E740481C1C}">
-                  <a14:useLocalDpi xmlns:a14="http://schemas.microsoft.com/office/drawing/2010/main" val="0"/>
+                  <a14:useLocalDpi xmlns:a14="http://schemas.microsoft.com/office/drawing/2010/main"/>
                 </a:ext>
               </a:extLst>
             </a:blip>
@@ -3621,7 +3621,7 @@
             <a:blip r:embed="rId5">
               <a:extLst>
                 <a:ext uri="{28A0092B-C50C-407E-A947-70E740481C1C}">
-                  <a14:useLocalDpi xmlns:a14="http://schemas.microsoft.com/office/drawing/2010/main" val="0"/>
+                  <a14:useLocalDpi xmlns:a14="http://schemas.microsoft.com/office/drawing/2010/main"/>
                 </a:ext>
               </a:extLst>
             </a:blip>

--- a/papers/Case2016/pictures/pdf/LFig.pptx
+++ b/papers/Case2016/pictures/pdf/LFig.pptx
@@ -288,7 +288,7 @@
           <a:p>
             <a:fld id="{C35CC384-D971-B84F-8685-D11358698119}" type="datetimeFigureOut">
               <a:rPr lang="en-US" smtClean="0"/>
-              <a:t>3/22/16</a:t>
+              <a:t>3/28/16</a:t>
             </a:fld>
             <a:endParaRPr lang="en-US"/>
           </a:p>
@@ -458,7 +458,7 @@
           <a:p>
             <a:fld id="{C35CC384-D971-B84F-8685-D11358698119}" type="datetimeFigureOut">
               <a:rPr lang="en-US" smtClean="0"/>
-              <a:t>3/22/16</a:t>
+              <a:t>3/28/16</a:t>
             </a:fld>
             <a:endParaRPr lang="en-US"/>
           </a:p>
@@ -638,7 +638,7 @@
           <a:p>
             <a:fld id="{C35CC384-D971-B84F-8685-D11358698119}" type="datetimeFigureOut">
               <a:rPr lang="en-US" smtClean="0"/>
-              <a:t>3/22/16</a:t>
+              <a:t>3/28/16</a:t>
             </a:fld>
             <a:endParaRPr lang="en-US"/>
           </a:p>
@@ -808,7 +808,7 @@
           <a:p>
             <a:fld id="{C35CC384-D971-B84F-8685-D11358698119}" type="datetimeFigureOut">
               <a:rPr lang="en-US" smtClean="0"/>
-              <a:t>3/22/16</a:t>
+              <a:t>3/28/16</a:t>
             </a:fld>
             <a:endParaRPr lang="en-US"/>
           </a:p>
@@ -1054,7 +1054,7 @@
           <a:p>
             <a:fld id="{C35CC384-D971-B84F-8685-D11358698119}" type="datetimeFigureOut">
               <a:rPr lang="en-US" smtClean="0"/>
-              <a:t>3/22/16</a:t>
+              <a:t>3/28/16</a:t>
             </a:fld>
             <a:endParaRPr lang="en-US"/>
           </a:p>
@@ -1342,7 +1342,7 @@
           <a:p>
             <a:fld id="{C35CC384-D971-B84F-8685-D11358698119}" type="datetimeFigureOut">
               <a:rPr lang="en-US" smtClean="0"/>
-              <a:t>3/22/16</a:t>
+              <a:t>3/28/16</a:t>
             </a:fld>
             <a:endParaRPr lang="en-US"/>
           </a:p>
@@ -1764,7 +1764,7 @@
           <a:p>
             <a:fld id="{C35CC384-D971-B84F-8685-D11358698119}" type="datetimeFigureOut">
               <a:rPr lang="en-US" smtClean="0"/>
-              <a:t>3/22/16</a:t>
+              <a:t>3/28/16</a:t>
             </a:fld>
             <a:endParaRPr lang="en-US"/>
           </a:p>
@@ -1882,7 +1882,7 @@
           <a:p>
             <a:fld id="{C35CC384-D971-B84F-8685-D11358698119}" type="datetimeFigureOut">
               <a:rPr lang="en-US" smtClean="0"/>
-              <a:t>3/22/16</a:t>
+              <a:t>3/28/16</a:t>
             </a:fld>
             <a:endParaRPr lang="en-US"/>
           </a:p>
@@ -1977,7 +1977,7 @@
           <a:p>
             <a:fld id="{C35CC384-D971-B84F-8685-D11358698119}" type="datetimeFigureOut">
               <a:rPr lang="en-US" smtClean="0"/>
-              <a:t>3/22/16</a:t>
+              <a:t>3/28/16</a:t>
             </a:fld>
             <a:endParaRPr lang="en-US"/>
           </a:p>
@@ -2254,7 +2254,7 @@
           <a:p>
             <a:fld id="{C35CC384-D971-B84F-8685-D11358698119}" type="datetimeFigureOut">
               <a:rPr lang="en-US" smtClean="0"/>
-              <a:t>3/22/16</a:t>
+              <a:t>3/28/16</a:t>
             </a:fld>
             <a:endParaRPr lang="en-US"/>
           </a:p>
@@ -2507,7 +2507,7 @@
           <a:p>
             <a:fld id="{C35CC384-D971-B84F-8685-D11358698119}" type="datetimeFigureOut">
               <a:rPr lang="en-US" smtClean="0"/>
-              <a:t>3/22/16</a:t>
+              <a:t>3/28/16</a:t>
             </a:fld>
             <a:endParaRPr lang="en-US"/>
           </a:p>
@@ -2720,7 +2720,7 @@
           <a:p>
             <a:fld id="{C35CC384-D971-B84F-8685-D11358698119}" type="datetimeFigureOut">
               <a:rPr lang="en-US" smtClean="0"/>
-              <a:t>3/22/16</a:t>
+              <a:t>3/28/16</a:t>
             </a:fld>
             <a:endParaRPr lang="en-US"/>
           </a:p>
@@ -3118,7 +3118,7 @@
             <p:nvPr/>
           </p:nvPicPr>
           <p:blipFill>
-            <a:blip r:embed="rId2" cstate="screen">
+            <a:blip r:embed="rId2" cstate="email">
               <a:extLst>
                 <a:ext uri="{28A0092B-C50C-407E-A947-70E740481C1C}">
                   <a14:useLocalDpi xmlns:a14="http://schemas.microsoft.com/office/drawing/2010/main"/>
@@ -3148,7 +3148,7 @@
             <p:nvPr/>
           </p:nvPicPr>
           <p:blipFill>
-            <a:blip r:embed="rId3" cstate="screen">
+            <a:blip r:embed="rId3" cstate="email">
               <a:extLst>
                 <a:ext uri="{28A0092B-C50C-407E-A947-70E740481C1C}">
                   <a14:useLocalDpi xmlns:a14="http://schemas.microsoft.com/office/drawing/2010/main"/>
@@ -3178,7 +3178,7 @@
             <p:nvPr/>
           </p:nvPicPr>
           <p:blipFill>
-            <a:blip r:embed="rId4" cstate="screen">
+            <a:blip r:embed="rId4" cstate="email">
               <a:extLst>
                 <a:ext uri="{28A0092B-C50C-407E-A947-70E740481C1C}">
                   <a14:useLocalDpi xmlns:a14="http://schemas.microsoft.com/office/drawing/2010/main"/>
